--- a/SGE/Presentación.pptx
+++ b/SGE/Presentación.pptx
@@ -210,7 +210,7 @@
           </a:lstStyle>
           <a:p>
             <a:fld id="{A9035774-C4E1-4CB8-821B-E2522C1382D0}" type="datetimeFigureOut">
-              <a:t>11/10/2024</a:t>
+              <a:t>14/10/2024</a:t>
             </a:fld>
             <a:endParaRPr lang="es-ES"/>
           </a:p>
@@ -541,7 +541,7 @@
           <a:p>
             <a:fld id="{F7021451-1387-4CA6-816F-3879F97B5CBC}" type="slidenum">
               <a:rPr lang="en-US"/>
-              <a:t>6</a:t>
+              <a:t>5</a:t>
             </a:fld>
             <a:endParaRPr lang="en-US"/>
           </a:p>
@@ -689,7 +689,7 @@
           <a:p>
             <a:fld id="{40771E8B-6CA5-40B2-8038-0E112F3DAC1C}" type="datetimeFigureOut">
               <a:rPr lang="es-ES" smtClean="0"/>
-              <a:t>11/10/2024</a:t>
+              <a:t>14/10/2024</a:t>
             </a:fld>
             <a:endParaRPr lang="es-ES"/>
           </a:p>
@@ -857,7 +857,7 @@
           <a:p>
             <a:fld id="{40771E8B-6CA5-40B2-8038-0E112F3DAC1C}" type="datetimeFigureOut">
               <a:rPr lang="es-ES" smtClean="0"/>
-              <a:t>11/10/2024</a:t>
+              <a:t>14/10/2024</a:t>
             </a:fld>
             <a:endParaRPr lang="es-ES"/>
           </a:p>
@@ -1035,7 +1035,7 @@
           <a:p>
             <a:fld id="{40771E8B-6CA5-40B2-8038-0E112F3DAC1C}" type="datetimeFigureOut">
               <a:rPr lang="es-ES" smtClean="0"/>
-              <a:t>11/10/2024</a:t>
+              <a:t>14/10/2024</a:t>
             </a:fld>
             <a:endParaRPr lang="es-ES"/>
           </a:p>
@@ -1247,7 +1247,7 @@
           <a:p>
             <a:fld id="{AA8A0EC6-5648-844A-8827-911B00959032}" type="datetimeFigureOut">
               <a:rPr lang="en-US" smtClean="0"/>
-              <a:t>10/11/2024</a:t>
+              <a:t>10/14/2024</a:t>
             </a:fld>
             <a:endParaRPr lang="en-US"/>
           </a:p>
@@ -1893,7 +1893,7 @@
           <a:p>
             <a:fld id="{AA8A0EC6-5648-844A-8827-911B00959032}" type="datetimeFigureOut">
               <a:rPr lang="en-US" smtClean="0"/>
-              <a:t>10/11/2024</a:t>
+              <a:t>10/14/2024</a:t>
             </a:fld>
             <a:endParaRPr lang="en-US"/>
           </a:p>
@@ -2088,7 +2088,7 @@
           <a:p>
             <a:fld id="{AA8A0EC6-5648-844A-8827-911B00959032}" type="datetimeFigureOut">
               <a:rPr lang="en-US" smtClean="0"/>
-              <a:t>10/11/2024</a:t>
+              <a:t>10/14/2024</a:t>
             </a:fld>
             <a:endParaRPr lang="en-US"/>
           </a:p>
@@ -2692,7 +2692,7 @@
           <a:p>
             <a:fld id="{AA8A0EC6-5648-844A-8827-911B00959032}" type="datetimeFigureOut">
               <a:rPr lang="en-US" smtClean="0"/>
-              <a:t>10/11/2024</a:t>
+              <a:t>10/14/2024</a:t>
             </a:fld>
             <a:endParaRPr lang="en-US"/>
           </a:p>
@@ -3154,7 +3154,7 @@
           <a:p>
             <a:fld id="{AA8A0EC6-5648-844A-8827-911B00959032}" type="datetimeFigureOut">
               <a:rPr lang="en-US" smtClean="0"/>
-              <a:t>10/11/2024</a:t>
+              <a:t>10/14/2024</a:t>
             </a:fld>
             <a:endParaRPr lang="en-US"/>
           </a:p>
@@ -3468,7 +3468,7 @@
           <a:p>
             <a:fld id="{AA8A0EC6-5648-844A-8827-911B00959032}" type="datetimeFigureOut">
               <a:rPr lang="en-US" smtClean="0"/>
-              <a:t>10/11/2024</a:t>
+              <a:t>10/14/2024</a:t>
             </a:fld>
             <a:endParaRPr lang="en-US"/>
           </a:p>
@@ -4144,7 +4144,7 @@
           <a:p>
             <a:fld id="{AA8A0EC6-5648-844A-8827-911B00959032}" type="datetimeFigureOut">
               <a:rPr lang="en-US" smtClean="0"/>
-              <a:t>10/11/2024</a:t>
+              <a:t>10/14/2024</a:t>
             </a:fld>
             <a:endParaRPr lang="en-US"/>
           </a:p>
@@ -4748,7 +4748,7 @@
           <a:p>
             <a:fld id="{AA8A0EC6-5648-844A-8827-911B00959032}" type="datetimeFigureOut">
               <a:rPr lang="en-US" smtClean="0"/>
-              <a:t>10/11/2024</a:t>
+              <a:t>10/14/2024</a:t>
             </a:fld>
             <a:endParaRPr lang="en-US"/>
           </a:p>
@@ -5381,7 +5381,7 @@
           <a:p>
             <a:fld id="{40771E8B-6CA5-40B2-8038-0E112F3DAC1C}" type="datetimeFigureOut">
               <a:rPr lang="es-ES" smtClean="0"/>
-              <a:t>11/10/2024</a:t>
+              <a:t>14/10/2024</a:t>
             </a:fld>
             <a:endParaRPr lang="es-ES"/>
           </a:p>
@@ -5518,7 +5518,7 @@
           <a:p>
             <a:fld id="{AA8A0EC6-5648-844A-8827-911B00959032}" type="datetimeFigureOut">
               <a:rPr lang="en-US" smtClean="0"/>
-              <a:t>10/11/2024</a:t>
+              <a:t>10/14/2024</a:t>
             </a:fld>
             <a:endParaRPr lang="en-US"/>
           </a:p>
@@ -5610,7 +5610,7 @@
           <a:p>
             <a:fld id="{AA8A0EC6-5648-844A-8827-911B00959032}" type="datetimeFigureOut">
               <a:rPr lang="en-US" smtClean="0"/>
-              <a:t>10/11/2024</a:t>
+              <a:t>10/14/2024</a:t>
             </a:fld>
             <a:endParaRPr lang="en-US"/>
           </a:p>
@@ -5813,7 +5813,7 @@
           <a:p>
             <a:fld id="{AA8A0EC6-5648-844A-8827-911B00959032}" type="datetimeFigureOut">
               <a:rPr lang="en-US" smtClean="0"/>
-              <a:t>10/11/2024</a:t>
+              <a:t>10/14/2024</a:t>
             </a:fld>
             <a:endParaRPr lang="en-US"/>
           </a:p>
@@ -6117,7 +6117,7 @@
           <a:p>
             <a:fld id="{40771E8B-6CA5-40B2-8038-0E112F3DAC1C}" type="datetimeFigureOut">
               <a:rPr lang="es-ES" smtClean="0"/>
-              <a:t>11/10/2024</a:t>
+              <a:t>14/10/2024</a:t>
             </a:fld>
             <a:endParaRPr lang="es-ES"/>
           </a:p>
@@ -6346,7 +6346,7 @@
           <a:p>
             <a:fld id="{40771E8B-6CA5-40B2-8038-0E112F3DAC1C}" type="datetimeFigureOut">
               <a:rPr lang="es-ES" smtClean="0"/>
-              <a:t>11/10/2024</a:t>
+              <a:t>14/10/2024</a:t>
             </a:fld>
             <a:endParaRPr lang="es-ES"/>
           </a:p>
@@ -6710,7 +6710,7 @@
           <a:p>
             <a:fld id="{40771E8B-6CA5-40B2-8038-0E112F3DAC1C}" type="datetimeFigureOut">
               <a:rPr lang="es-ES" smtClean="0"/>
-              <a:t>11/10/2024</a:t>
+              <a:t>14/10/2024</a:t>
             </a:fld>
             <a:endParaRPr lang="es-ES"/>
           </a:p>
@@ -6827,7 +6827,7 @@
           <a:p>
             <a:fld id="{40771E8B-6CA5-40B2-8038-0E112F3DAC1C}" type="datetimeFigureOut">
               <a:rPr lang="es-ES" smtClean="0"/>
-              <a:t>11/10/2024</a:t>
+              <a:t>14/10/2024</a:t>
             </a:fld>
             <a:endParaRPr lang="es-ES"/>
           </a:p>
@@ -6922,7 +6922,7 @@
           <a:p>
             <a:fld id="{40771E8B-6CA5-40B2-8038-0E112F3DAC1C}" type="datetimeFigureOut">
               <a:rPr lang="es-ES" smtClean="0"/>
-              <a:t>11/10/2024</a:t>
+              <a:t>14/10/2024</a:t>
             </a:fld>
             <a:endParaRPr lang="es-ES"/>
           </a:p>
@@ -7197,7 +7197,7 @@
           <a:p>
             <a:fld id="{40771E8B-6CA5-40B2-8038-0E112F3DAC1C}" type="datetimeFigureOut">
               <a:rPr lang="es-ES" smtClean="0"/>
-              <a:t>11/10/2024</a:t>
+              <a:t>14/10/2024</a:t>
             </a:fld>
             <a:endParaRPr lang="es-ES"/>
           </a:p>
@@ -7449,7 +7449,7 @@
           <a:p>
             <a:fld id="{40771E8B-6CA5-40B2-8038-0E112F3DAC1C}" type="datetimeFigureOut">
               <a:rPr lang="es-ES" smtClean="0"/>
-              <a:t>11/10/2024</a:t>
+              <a:t>14/10/2024</a:t>
             </a:fld>
             <a:endParaRPr lang="es-ES"/>
           </a:p>
@@ -7660,7 +7660,7 @@
           <a:p>
             <a:fld id="{40771E8B-6CA5-40B2-8038-0E112F3DAC1C}" type="datetimeFigureOut">
               <a:rPr lang="es-ES" smtClean="0"/>
-              <a:t>11/10/2024</a:t>
+              <a:t>14/10/2024</a:t>
             </a:fld>
             <a:endParaRPr lang="es-ES"/>
           </a:p>
@@ -8183,7 +8183,7 @@
           <a:p>
             <a:fld id="{AA8A0EC6-5648-844A-8827-911B00959032}" type="datetimeFigureOut">
               <a:rPr lang="en-US" smtClean="0"/>
-              <a:t>10/11/2024</a:t>
+              <a:t>10/14/2024</a:t>
             </a:fld>
             <a:endParaRPr lang="en-US"/>
           </a:p>
@@ -8662,13 +8662,20 @@
             <p:ph type="title"/>
           </p:nvPr>
         </p:nvSpPr>
-        <p:spPr/>
+        <p:spPr>
+          <a:xfrm>
+            <a:off x="1454739" y="401498"/>
+            <a:ext cx="10972800" cy="1230485"/>
+          </a:xfrm>
+        </p:spPr>
         <p:txBody>
           <a:bodyPr/>
           <a:lstStyle/>
           <a:p>
             <a:r>
-              <a:rPr lang="es-ES"/>
+              <a:rPr lang="es-ES" sz="4800" dirty="0">
+                <a:latin typeface="Aptos" panose="020B0004020202020204" pitchFamily="34" charset="0"/>
+              </a:rPr>
               <a:t>Ventas y CRM</a:t>
             </a:r>
           </a:p>
@@ -8696,8 +8703,8 @@
           <a:lstStyle/>
           <a:p>
             <a:r>
-              <a:rPr lang="es-ES" dirty="0">
-                <a:latin typeface="Calibri"/>
+              <a:rPr lang="es-ES" sz="2400" dirty="0">
+                <a:latin typeface="Aptos" panose="020B0004020202020204" pitchFamily="34" charset="0"/>
                 <a:ea typeface="Roboto"/>
                 <a:cs typeface="Calibri"/>
               </a:rPr>
@@ -8728,7 +8735,9 @@
           <a:lstStyle/>
           <a:p>
             <a:r>
-              <a:rPr lang="es-ES" sz="1400"/>
+              <a:rPr lang="es-ES">
+                <a:latin typeface="Aptos" panose="020B0004020202020204" pitchFamily="34" charset="0"/>
+              </a:rPr>
               <a:t>Gestiona las actividades de venta de servicios logísticos, desde la prospección hasta el cierre de contratos.</a:t>
             </a:r>
           </a:p>
@@ -8756,7 +8765,9 @@
           <a:lstStyle/>
           <a:p>
             <a:r>
-              <a:rPr lang="es-ES"/>
+              <a:rPr lang="es-ES" sz="2400">
+                <a:latin typeface="Aptos" panose="020B0004020202020204" pitchFamily="34" charset="0"/>
+              </a:rPr>
               <a:t>Módulo ERP</a:t>
             </a:r>
           </a:p>
@@ -8784,7 +8795,9 @@
           <a:lstStyle/>
           <a:p>
             <a:r>
-              <a:rPr lang="es-ES" sz="1400"/>
+              <a:rPr lang="es-ES">
+                <a:latin typeface="Aptos" panose="020B0004020202020204" pitchFamily="34" charset="0"/>
+              </a:rPr>
               <a:t>Utiliza CRM y Ventas para gestionar las relaciones con los clientes y automatizar procesos de ventas.</a:t>
             </a:r>
           </a:p>
@@ -8812,7 +8825,9 @@
           <a:lstStyle/>
           <a:p>
             <a:r>
-              <a:rPr lang="es-ES"/>
+              <a:rPr lang="es-ES" sz="2400">
+                <a:latin typeface="Aptos" panose="020B0004020202020204" pitchFamily="34" charset="0"/>
+              </a:rPr>
               <a:t>Importancia</a:t>
             </a:r>
           </a:p>
@@ -8840,7 +8855,9 @@
           <a:lstStyle/>
           <a:p>
             <a:r>
-              <a:rPr lang="es-ES" sz="1400"/>
+              <a:rPr lang="es-ES">
+                <a:latin typeface="Aptos" panose="020B0004020202020204" pitchFamily="34" charset="0"/>
+              </a:rPr>
               <a:t>Un sistema eficiente puede incrementar la tasa de cierre y mejorar la experiencia del cliente.</a:t>
             </a:r>
           </a:p>
@@ -8880,6 +8897,53 @@
           <a:prstGeom prst="rect">
             <a:avLst/>
           </a:prstGeom>
+        </p:spPr>
+      </p:pic>
+      <p:pic>
+        <p:nvPicPr>
+          <p:cNvPr id="9" name="Picture 2" descr="Airplane, flight, package, plane, travel icon - Download on Iconfinder">
+            <a:extLst>
+              <a:ext uri="{FF2B5EF4-FFF2-40B4-BE49-F238E27FC236}">
+                <a16:creationId xmlns:a16="http://schemas.microsoft.com/office/drawing/2014/main" id="{5C8DAD23-EAFD-4867-6DA9-ABA4ED82B634}"/>
+              </a:ext>
+            </a:extLst>
+          </p:cNvPr>
+          <p:cNvPicPr>
+            <a:picLocks noChangeAspect="1" noChangeArrowheads="1"/>
+          </p:cNvPicPr>
+          <p:nvPr/>
+        </p:nvPicPr>
+        <p:blipFill>
+          <a:blip r:embed="rId4" cstate="print">
+            <a:extLst>
+              <a:ext uri="{28A0092B-C50C-407E-A947-70E740481C1C}">
+                <a14:useLocalDpi xmlns:a14="http://schemas.microsoft.com/office/drawing/2010/main" val="0"/>
+              </a:ext>
+            </a:extLst>
+          </a:blip>
+          <a:srcRect/>
+          <a:stretch>
+            <a:fillRect/>
+          </a:stretch>
+        </p:blipFill>
+        <p:spPr bwMode="auto">
+          <a:xfrm>
+            <a:off x="-235540" y="-214599"/>
+            <a:ext cx="1690279" cy="1690279"/>
+          </a:xfrm>
+          <a:prstGeom prst="rect">
+            <a:avLst/>
+          </a:prstGeom>
+          <a:noFill/>
+          <a:extLst>
+            <a:ext uri="{909E8E84-426E-40DD-AFC4-6F175D3DCCD1}">
+              <a14:hiddenFill xmlns:a14="http://schemas.microsoft.com/office/drawing/2010/main">
+                <a:solidFill>
+                  <a:srgbClr val="FFFFFF"/>
+                </a:solidFill>
+              </a14:hiddenFill>
+            </a:ext>
+          </a:extLst>
         </p:spPr>
       </p:pic>
     </p:spTree>
@@ -8928,13 +8992,20 @@
             <p:ph type="title"/>
           </p:nvPr>
         </p:nvSpPr>
-        <p:spPr/>
+        <p:spPr>
+          <a:xfrm>
+            <a:off x="1655885" y="355233"/>
+            <a:ext cx="10972800" cy="1230485"/>
+          </a:xfrm>
+        </p:spPr>
         <p:txBody>
           <a:bodyPr/>
           <a:lstStyle/>
           <a:p>
             <a:r>
-              <a:rPr lang="es-ES"/>
+              <a:rPr lang="es-ES" sz="4800" dirty="0">
+                <a:latin typeface="Aptos" panose="020B0004020202020204" pitchFamily="34" charset="0"/>
+              </a:rPr>
               <a:t>Marketing y Estrategias</a:t>
             </a:r>
           </a:p>
@@ -8967,7 +9038,8 @@
           <a:lstStyle/>
           <a:p>
             <a:r>
-              <a:rPr lang="es-ES" dirty="0">
+              <a:rPr lang="es-ES" sz="2400" dirty="0">
+                <a:latin typeface="Aptos" panose="020B0004020202020204" pitchFamily="34" charset="0"/>
                 <a:ea typeface="Roboto"/>
                 <a:cs typeface="Roboto"/>
               </a:rPr>
@@ -9003,7 +9075,9 @@
           <a:lstStyle/>
           <a:p>
             <a:r>
-              <a:rPr lang="es-ES" sz="1400"/>
+              <a:rPr lang="es-ES">
+                <a:latin typeface="Aptos" panose="020B0004020202020204" pitchFamily="34" charset="0"/>
+              </a:rPr>
               <a:t>Desarrolla estrategias de promoción para atraer y retener clientes mediante campañas específicas.</a:t>
             </a:r>
           </a:p>
@@ -9036,7 +9110,9 @@
           <a:lstStyle/>
           <a:p>
             <a:r>
-              <a:rPr lang="es-ES"/>
+              <a:rPr lang="es-ES" sz="2400">
+                <a:latin typeface="Aptos" panose="020B0004020202020204" pitchFamily="34" charset="0"/>
+              </a:rPr>
               <a:t>Módulo ERP</a:t>
             </a:r>
           </a:p>
@@ -9069,7 +9145,9 @@
           <a:lstStyle/>
           <a:p>
             <a:r>
-              <a:rPr lang="es-ES" sz="1400"/>
+              <a:rPr lang="es-ES">
+                <a:latin typeface="Aptos" panose="020B0004020202020204" pitchFamily="34" charset="0"/>
+              </a:rPr>
               <a:t>Emplea Marketing y Marketing Social para gestionar campañas y analizar su rendimiento.</a:t>
             </a:r>
           </a:p>
@@ -9102,7 +9180,9 @@
           <a:lstStyle/>
           <a:p>
             <a:r>
-              <a:rPr lang="es-ES"/>
+              <a:rPr lang="es-ES" sz="2400">
+                <a:latin typeface="Aptos" panose="020B0004020202020204" pitchFamily="34" charset="0"/>
+              </a:rPr>
               <a:t>Impacto</a:t>
             </a:r>
           </a:p>
@@ -9135,7 +9215,9 @@
           <a:lstStyle/>
           <a:p>
             <a:r>
-              <a:rPr lang="es-ES" sz="1400"/>
+              <a:rPr lang="es-ES">
+                <a:latin typeface="Aptos" panose="020B0004020202020204" pitchFamily="34" charset="0"/>
+              </a:rPr>
               <a:t>Las tácticas de marketing bien dirigidas aumentan la visibilidad y generean leads valiosos.</a:t>
             </a:r>
           </a:p>
@@ -9175,6 +9257,53 @@
           <a:prstGeom prst="rect">
             <a:avLst/>
           </a:prstGeom>
+        </p:spPr>
+      </p:pic>
+      <p:pic>
+        <p:nvPicPr>
+          <p:cNvPr id="9" name="Picture 2" descr="Airplane, flight, package, plane, travel icon - Download on Iconfinder">
+            <a:extLst>
+              <a:ext uri="{FF2B5EF4-FFF2-40B4-BE49-F238E27FC236}">
+                <a16:creationId xmlns:a16="http://schemas.microsoft.com/office/drawing/2014/main" id="{56F3102F-8A00-4BC9-BE19-FB51941A9AAD}"/>
+              </a:ext>
+            </a:extLst>
+          </p:cNvPr>
+          <p:cNvPicPr>
+            <a:picLocks noChangeAspect="1" noChangeArrowheads="1"/>
+          </p:cNvPicPr>
+          <p:nvPr/>
+        </p:nvPicPr>
+        <p:blipFill>
+          <a:blip r:embed="rId4" cstate="print">
+            <a:extLst>
+              <a:ext uri="{28A0092B-C50C-407E-A947-70E740481C1C}">
+                <a14:useLocalDpi xmlns:a14="http://schemas.microsoft.com/office/drawing/2010/main" val="0"/>
+              </a:ext>
+            </a:extLst>
+          </a:blip>
+          <a:srcRect/>
+          <a:stretch>
+            <a:fillRect/>
+          </a:stretch>
+        </p:blipFill>
+        <p:spPr bwMode="auto">
+          <a:xfrm>
+            <a:off x="-235540" y="-214599"/>
+            <a:ext cx="1690279" cy="1690279"/>
+          </a:xfrm>
+          <a:prstGeom prst="rect">
+            <a:avLst/>
+          </a:prstGeom>
+          <a:noFill/>
+          <a:extLst>
+            <a:ext uri="{909E8E84-426E-40DD-AFC4-6F175D3DCCD1}">
+              <a14:hiddenFill xmlns:a14="http://schemas.microsoft.com/office/drawing/2010/main">
+                <a:solidFill>
+                  <a:srgbClr val="FFFFFF"/>
+                </a:solidFill>
+              </a14:hiddenFill>
+            </a:ext>
+          </a:extLst>
         </p:spPr>
       </p:pic>
     </p:spTree>
@@ -9223,13 +9352,20 @@
             <p:ph type="title"/>
           </p:nvPr>
         </p:nvSpPr>
-        <p:spPr/>
+        <p:spPr>
+          <a:xfrm>
+            <a:off x="1647092" y="380391"/>
+            <a:ext cx="10972800" cy="1230485"/>
+          </a:xfrm>
+        </p:spPr>
         <p:txBody>
           <a:bodyPr/>
           <a:lstStyle/>
           <a:p>
             <a:r>
-              <a:rPr lang="es-ES"/>
+              <a:rPr lang="es-ES" sz="4800" dirty="0">
+                <a:latin typeface="Aptos" panose="020B0004020202020204" pitchFamily="34" charset="0"/>
+              </a:rPr>
               <a:t>Finanzas y Contabilidad</a:t>
             </a:r>
           </a:p>
@@ -9257,7 +9393,8 @@
           <a:lstStyle/>
           <a:p>
             <a:r>
-              <a:rPr lang="es-ES" dirty="0">
+              <a:rPr lang="es-ES" sz="2400" dirty="0">
+                <a:latin typeface="Aptos" panose="020B0004020202020204" pitchFamily="34" charset="0"/>
                 <a:ea typeface="Roboto"/>
                 <a:cs typeface="Roboto"/>
               </a:rPr>
@@ -9288,7 +9425,9 @@
           <a:lstStyle/>
           <a:p>
             <a:r>
-              <a:rPr lang="es-ES" sz="1400"/>
+              <a:rPr lang="es-ES">
+                <a:latin typeface="Aptos" panose="020B0004020202020204" pitchFamily="34" charset="0"/>
+              </a:rPr>
               <a:t>Supervisa la gestión financiera, incluyendo contabilidad, presupuestos y reportes.</a:t>
             </a:r>
           </a:p>
@@ -9316,7 +9455,9 @@
           <a:lstStyle/>
           <a:p>
             <a:r>
-              <a:rPr lang="es-ES"/>
+              <a:rPr lang="es-ES" sz="2400">
+                <a:latin typeface="Aptos" panose="020B0004020202020204" pitchFamily="34" charset="0"/>
+              </a:rPr>
               <a:t>Módulo ERP</a:t>
             </a:r>
           </a:p>
@@ -9344,7 +9485,9 @@
           <a:lstStyle/>
           <a:p>
             <a:r>
-              <a:rPr lang="es-ES" sz="1400"/>
+              <a:rPr lang="es-ES">
+                <a:latin typeface="Aptos" panose="020B0004020202020204" pitchFamily="34" charset="0"/>
+              </a:rPr>
               <a:t>Contabilidad y Facturación ayudan a automatizar procesos financieros y generar informes precisos.</a:t>
             </a:r>
           </a:p>
@@ -9372,7 +9515,9 @@
           <a:lstStyle/>
           <a:p>
             <a:r>
-              <a:rPr lang="es-ES"/>
+              <a:rPr lang="es-ES" sz="2400">
+                <a:latin typeface="Aptos" panose="020B0004020202020204" pitchFamily="34" charset="0"/>
+              </a:rPr>
               <a:t>Eficiencia</a:t>
             </a:r>
           </a:p>
@@ -9400,7 +9545,9 @@
           <a:lstStyle/>
           <a:p>
             <a:r>
-              <a:rPr lang="es-ES" sz="1400"/>
+              <a:rPr lang="es-ES">
+                <a:latin typeface="Aptos" panose="020B0004020202020204" pitchFamily="34" charset="0"/>
+              </a:rPr>
               <a:t>Un control financiero adecuado asegura la salud económica de la empresa.</a:t>
             </a:r>
           </a:p>
@@ -9438,6 +9585,53 @@
             <a:off x="8274804" y="2794544"/>
             <a:ext cx="3650910" cy="3650910"/>
           </a:xfrm>
+        </p:spPr>
+      </p:pic>
+      <p:pic>
+        <p:nvPicPr>
+          <p:cNvPr id="5" name="Picture 2" descr="Airplane, flight, package, plane, travel icon - Download on Iconfinder">
+            <a:extLst>
+              <a:ext uri="{FF2B5EF4-FFF2-40B4-BE49-F238E27FC236}">
+                <a16:creationId xmlns:a16="http://schemas.microsoft.com/office/drawing/2014/main" id="{759C900A-52E2-FE0F-8849-DB0C6FC94039}"/>
+              </a:ext>
+            </a:extLst>
+          </p:cNvPr>
+          <p:cNvPicPr>
+            <a:picLocks noChangeAspect="1" noChangeArrowheads="1"/>
+          </p:cNvPicPr>
+          <p:nvPr/>
+        </p:nvPicPr>
+        <p:blipFill>
+          <a:blip r:embed="rId4" cstate="print">
+            <a:extLst>
+              <a:ext uri="{28A0092B-C50C-407E-A947-70E740481C1C}">
+                <a14:useLocalDpi xmlns:a14="http://schemas.microsoft.com/office/drawing/2010/main" val="0"/>
+              </a:ext>
+            </a:extLst>
+          </a:blip>
+          <a:srcRect/>
+          <a:stretch>
+            <a:fillRect/>
+          </a:stretch>
+        </p:blipFill>
+        <p:spPr bwMode="auto">
+          <a:xfrm>
+            <a:off x="-235540" y="-214599"/>
+            <a:ext cx="1690279" cy="1690279"/>
+          </a:xfrm>
+          <a:prstGeom prst="rect">
+            <a:avLst/>
+          </a:prstGeom>
+          <a:noFill/>
+          <a:extLst>
+            <a:ext uri="{909E8E84-426E-40DD-AFC4-6F175D3DCCD1}">
+              <a14:hiddenFill xmlns:a14="http://schemas.microsoft.com/office/drawing/2010/main">
+                <a:solidFill>
+                  <a:srgbClr val="FFFFFF"/>
+                </a:solidFill>
+              </a14:hiddenFill>
+            </a:ext>
+          </a:extLst>
         </p:spPr>
       </p:pic>
     </p:spTree>
@@ -9486,13 +9680,20 @@
             <p:ph type="title"/>
           </p:nvPr>
         </p:nvSpPr>
-        <p:spPr/>
+        <p:spPr>
+          <a:xfrm>
+            <a:off x="1387268" y="411159"/>
+            <a:ext cx="10972800" cy="1230485"/>
+          </a:xfrm>
+        </p:spPr>
         <p:txBody>
           <a:bodyPr/>
           <a:lstStyle/>
           <a:p>
             <a:r>
-              <a:rPr lang="es-ES"/>
+              <a:rPr lang="es-ES" sz="4800" dirty="0">
+                <a:latin typeface="Aptos" panose="020B0004020202020204" pitchFamily="34" charset="0"/>
+              </a:rPr>
               <a:t>Recursos Humanos</a:t>
             </a:r>
           </a:p>
@@ -9520,7 +9721,8 @@
           <a:lstStyle/>
           <a:p>
             <a:r>
-              <a:rPr lang="es-ES" dirty="0">
+              <a:rPr lang="es-ES" sz="2400" dirty="0">
+                <a:latin typeface="Aptos" panose="020B0004020202020204" pitchFamily="34" charset="0"/>
                 <a:ea typeface="Roboto"/>
                 <a:cs typeface="Roboto"/>
               </a:rPr>
@@ -9551,7 +9753,9 @@
           <a:lstStyle/>
           <a:p>
             <a:r>
-              <a:rPr lang="es-ES" sz="1400"/>
+              <a:rPr lang="es-ES">
+                <a:latin typeface="Aptos" panose="020B0004020202020204" pitchFamily="34" charset="0"/>
+              </a:rPr>
               <a:t>Gestiona el personal, desde la contratación hasta la formación y administración de nóminas.</a:t>
             </a:r>
           </a:p>
@@ -9579,7 +9783,9 @@
           <a:lstStyle/>
           <a:p>
             <a:r>
-              <a:rPr lang="es-ES"/>
+              <a:rPr lang="es-ES" sz="2400">
+                <a:latin typeface="Aptos" panose="020B0004020202020204" pitchFamily="34" charset="0"/>
+              </a:rPr>
               <a:t>Módulo ERP</a:t>
             </a:r>
           </a:p>
@@ -9607,7 +9813,9 @@
           <a:lstStyle/>
           <a:p>
             <a:r>
-              <a:rPr lang="es-ES" sz="1400"/>
+              <a:rPr lang="es-ES">
+                <a:latin typeface="Aptos" panose="020B0004020202020204" pitchFamily="34" charset="0"/>
+              </a:rPr>
               <a:t>El módulo Empleados facilita el seguimiento de información vital de cada trabajador.</a:t>
             </a:r>
           </a:p>
@@ -9635,7 +9843,9 @@
           <a:lstStyle/>
           <a:p>
             <a:r>
-              <a:rPr lang="es-ES"/>
+              <a:rPr lang="es-ES" sz="2400">
+                <a:latin typeface="Aptos" panose="020B0004020202020204" pitchFamily="34" charset="0"/>
+              </a:rPr>
               <a:t>Importancia</a:t>
             </a:r>
           </a:p>
@@ -9663,7 +9873,9 @@
           <a:lstStyle/>
           <a:p>
             <a:r>
-              <a:rPr lang="es-ES" sz="1400"/>
+              <a:rPr lang="es-ES">
+                <a:latin typeface="Aptos" panose="020B0004020202020204" pitchFamily="34" charset="0"/>
+              </a:rPr>
               <a:t>Una gestión eficaz de RRHH crea un ambiente laboral positivo y retiene talento.</a:t>
             </a:r>
           </a:p>
@@ -9703,6 +9915,53 @@
           <a:prstGeom prst="rect">
             <a:avLst/>
           </a:prstGeom>
+        </p:spPr>
+      </p:pic>
+      <p:pic>
+        <p:nvPicPr>
+          <p:cNvPr id="9" name="Picture 2" descr="Airplane, flight, package, plane, travel icon - Download on Iconfinder">
+            <a:extLst>
+              <a:ext uri="{FF2B5EF4-FFF2-40B4-BE49-F238E27FC236}">
+                <a16:creationId xmlns:a16="http://schemas.microsoft.com/office/drawing/2014/main" id="{995F4C94-AD8E-8E74-4C4B-D2E9778C012C}"/>
+              </a:ext>
+            </a:extLst>
+          </p:cNvPr>
+          <p:cNvPicPr>
+            <a:picLocks noChangeAspect="1" noChangeArrowheads="1"/>
+          </p:cNvPicPr>
+          <p:nvPr/>
+        </p:nvPicPr>
+        <p:blipFill>
+          <a:blip r:embed="rId4" cstate="print">
+            <a:extLst>
+              <a:ext uri="{28A0092B-C50C-407E-A947-70E740481C1C}">
+                <a14:useLocalDpi xmlns:a14="http://schemas.microsoft.com/office/drawing/2010/main" val="0"/>
+              </a:ext>
+            </a:extLst>
+          </a:blip>
+          <a:srcRect/>
+          <a:stretch>
+            <a:fillRect/>
+          </a:stretch>
+        </p:blipFill>
+        <p:spPr bwMode="auto">
+          <a:xfrm>
+            <a:off x="-235540" y="-214599"/>
+            <a:ext cx="1690279" cy="1690279"/>
+          </a:xfrm>
+          <a:prstGeom prst="rect">
+            <a:avLst/>
+          </a:prstGeom>
+          <a:noFill/>
+          <a:extLst>
+            <a:ext uri="{909E8E84-426E-40DD-AFC4-6F175D3DCCD1}">
+              <a14:hiddenFill xmlns:a14="http://schemas.microsoft.com/office/drawing/2010/main">
+                <a:solidFill>
+                  <a:srgbClr val="FFFFFF"/>
+                </a:solidFill>
+              </a14:hiddenFill>
+            </a:ext>
+          </a:extLst>
         </p:spPr>
       </p:pic>
     </p:spTree>
@@ -9751,7 +10010,7 @@
         </p:nvSpPr>
         <p:spPr>
           <a:xfrm>
-            <a:off x="640862" y="391746"/>
+            <a:off x="1454739" y="344554"/>
             <a:ext cx="10439400" cy="1320800"/>
           </a:xfrm>
           <a:prstGeom prst="rect">
@@ -9859,8 +10118,8 @@
               <a:buNone/>
             </a:pPr>
             <a:r>
-              <a:rPr lang="en-US" sz="4400" dirty="0">
-                <a:latin typeface="Calibri"/>
+              <a:rPr lang="en-US" sz="4800" dirty="0">
+                <a:latin typeface="Aptos" panose="020B0004020202020204" pitchFamily="34" charset="0"/>
                 <a:ea typeface="Calibri"/>
                 <a:cs typeface="Calibri"/>
               </a:rPr>
@@ -10075,7 +10334,8 @@
           </a:lstStyle>
           <a:p>
             <a:r>
-              <a:rPr lang="es-ES" dirty="0">
+              <a:rPr lang="es-ES" sz="3200" dirty="0">
+                <a:latin typeface="Aptos" panose="020B0004020202020204" pitchFamily="34" charset="0"/>
                 <a:ea typeface="Roboto"/>
                 <a:cs typeface="Roboto"/>
               </a:rPr>
@@ -10290,8 +10550,8 @@
           </a:lstStyle>
           <a:p>
             <a:r>
-              <a:rPr lang="es-ES" sz="1400" dirty="0">
-                <a:latin typeface="Roboto"/>
+              <a:rPr lang="es-ES" sz="1600" dirty="0">
+                <a:latin typeface="Aptos" panose="020B0004020202020204" pitchFamily="34" charset="0"/>
                 <a:ea typeface="Calibri"/>
                 <a:cs typeface="Calibri"/>
               </a:rPr>
@@ -10506,7 +10766,9 @@
           </a:lstStyle>
           <a:p>
             <a:r>
-              <a:rPr lang="es-ES"/>
+              <a:rPr lang="es-ES" sz="3200">
+                <a:latin typeface="Aptos" panose="020B0004020202020204" pitchFamily="34" charset="0"/>
+              </a:rPr>
               <a:t>Módulo ERP</a:t>
             </a:r>
           </a:p>
@@ -10718,8 +10980,8 @@
           </a:lstStyle>
           <a:p>
             <a:r>
-              <a:rPr lang="es-ES" sz="1400" dirty="0">
-                <a:latin typeface="Roboto"/>
+              <a:rPr lang="es-ES" sz="1600" dirty="0">
+                <a:latin typeface="Aptos" panose="020B0004020202020204" pitchFamily="34" charset="0"/>
                 <a:ea typeface="Calibri"/>
                 <a:cs typeface="Calibri"/>
               </a:rPr>
@@ -10934,7 +11196,9 @@
           </a:lstStyle>
           <a:p>
             <a:r>
-              <a:rPr lang="es-ES"/>
+              <a:rPr lang="es-ES" sz="3200">
+                <a:latin typeface="Aptos" panose="020B0004020202020204" pitchFamily="34" charset="0"/>
+              </a:rPr>
               <a:t>Importancia</a:t>
             </a:r>
           </a:p>
@@ -11146,14 +11410,16 @@
           </a:lstStyle>
           <a:p>
             <a:r>
-              <a:rPr lang="es-ES" sz="1400" dirty="0">
-                <a:latin typeface="Roboto"/>
+              <a:rPr lang="es-ES" sz="1600" dirty="0">
+                <a:latin typeface="Aptos" panose="020B0004020202020204" pitchFamily="34" charset="0"/>
                 <a:ea typeface="Roboto"/>
                 <a:cs typeface="Roboto"/>
               </a:rPr>
               <a:t>Una buena gestión de inventario y servicio de entregas es indispensable para el correcto funcionamiento del servicio y la satisfacción del cliente</a:t>
             </a:r>
-            <a:endParaRPr lang="es-ES" sz="1400" dirty="0"/>
+            <a:endParaRPr lang="es-ES" sz="1600" dirty="0">
+              <a:latin typeface="Aptos" panose="020B0004020202020204" pitchFamily="34" charset="0"/>
+            </a:endParaRPr>
           </a:p>
         </p:txBody>
       </p:sp>
@@ -11191,6 +11457,53 @@
           <a:prstGeom prst="rect">
             <a:avLst/>
           </a:prstGeom>
+        </p:spPr>
+      </p:pic>
+      <p:pic>
+        <p:nvPicPr>
+          <p:cNvPr id="2" name="Picture 2" descr="Airplane, flight, package, plane, travel icon - Download on Iconfinder">
+            <a:extLst>
+              <a:ext uri="{FF2B5EF4-FFF2-40B4-BE49-F238E27FC236}">
+                <a16:creationId xmlns:a16="http://schemas.microsoft.com/office/drawing/2014/main" id="{7D04A40E-0DD0-BDB2-5337-17B02F83826F}"/>
+              </a:ext>
+            </a:extLst>
+          </p:cNvPr>
+          <p:cNvPicPr>
+            <a:picLocks noChangeAspect="1" noChangeArrowheads="1"/>
+          </p:cNvPicPr>
+          <p:nvPr/>
+        </p:nvPicPr>
+        <p:blipFill>
+          <a:blip r:embed="rId5" cstate="print">
+            <a:extLst>
+              <a:ext uri="{28A0092B-C50C-407E-A947-70E740481C1C}">
+                <a14:useLocalDpi xmlns:a14="http://schemas.microsoft.com/office/drawing/2010/main" val="0"/>
+              </a:ext>
+            </a:extLst>
+          </a:blip>
+          <a:srcRect/>
+          <a:stretch>
+            <a:fillRect/>
+          </a:stretch>
+        </p:blipFill>
+        <p:spPr bwMode="auto">
+          <a:xfrm>
+            <a:off x="-235540" y="-214599"/>
+            <a:ext cx="1690279" cy="1690279"/>
+          </a:xfrm>
+          <a:prstGeom prst="rect">
+            <a:avLst/>
+          </a:prstGeom>
+          <a:noFill/>
+          <a:extLst>
+            <a:ext uri="{909E8E84-426E-40DD-AFC4-6F175D3DCCD1}">
+              <a14:hiddenFill xmlns:a14="http://schemas.microsoft.com/office/drawing/2010/main">
+                <a:solidFill>
+                  <a:srgbClr val="FFFFFF"/>
+                </a:solidFill>
+              </a14:hiddenFill>
+            </a:ext>
+          </a:extLst>
         </p:spPr>
       </p:pic>
     </p:spTree>
@@ -11239,13 +11552,20 @@
             <p:ph type="title"/>
           </p:nvPr>
         </p:nvSpPr>
-        <p:spPr/>
+        <p:spPr>
+          <a:xfrm>
+            <a:off x="1145931" y="374850"/>
+            <a:ext cx="10972800" cy="1230485"/>
+          </a:xfrm>
+        </p:spPr>
         <p:txBody>
           <a:bodyPr/>
           <a:lstStyle/>
           <a:p>
             <a:r>
-              <a:rPr lang="es-ES"/>
+              <a:rPr lang="es-ES" sz="4800" dirty="0">
+                <a:latin typeface="Aptos" panose="020B0004020202020204" pitchFamily="34" charset="0"/>
+              </a:rPr>
               <a:t>Atención al Cliente y TI</a:t>
             </a:r>
           </a:p>
@@ -11273,7 +11593,9 @@
           <a:lstStyle/>
           <a:p>
             <a:r>
-              <a:rPr lang="es-ES"/>
+              <a:rPr lang="es-ES" sz="2400">
+                <a:latin typeface="Aptos" panose="020B0004020202020204" pitchFamily="34" charset="0"/>
+              </a:rPr>
               <a:t>Función de Atención al Cliente</a:t>
             </a:r>
           </a:p>
@@ -11301,7 +11623,9 @@
           <a:lstStyle/>
           <a:p>
             <a:r>
-              <a:rPr lang="es-ES" sz="1400"/>
+              <a:rPr lang="es-ES">
+                <a:latin typeface="Aptos" panose="020B0004020202020204" pitchFamily="34" charset="0"/>
+              </a:rPr>
               <a:t>Proporciona soporte a clientes, resolviendo problemas y atendiendo consultas rápidamente.</a:t>
             </a:r>
           </a:p>
@@ -11329,7 +11653,9 @@
           <a:lstStyle/>
           <a:p>
             <a:r>
-              <a:rPr lang="es-ES"/>
+              <a:rPr lang="es-ES" sz="2400">
+                <a:latin typeface="Aptos" panose="020B0004020202020204" pitchFamily="34" charset="0"/>
+              </a:rPr>
               <a:t>Módulo ERP</a:t>
             </a:r>
           </a:p>
@@ -11357,7 +11683,9 @@
           <a:lstStyle/>
           <a:p>
             <a:r>
-              <a:rPr lang="es-ES" sz="1400"/>
+              <a:rPr lang="es-ES">
+                <a:latin typeface="Aptos" panose="020B0004020202020204" pitchFamily="34" charset="0"/>
+              </a:rPr>
               <a:t>Chat en Vivo permite una comunicación ágil y mejora la satisfacción del cliente.</a:t>
             </a:r>
           </a:p>
@@ -11385,7 +11713,9 @@
           <a:lstStyle/>
           <a:p>
             <a:r>
-              <a:rPr lang="es-ES"/>
+              <a:rPr lang="es-ES" sz="2400">
+                <a:latin typeface="Aptos" panose="020B0004020202020204" pitchFamily="34" charset="0"/>
+              </a:rPr>
               <a:t>Función de TI</a:t>
             </a:r>
           </a:p>
@@ -11413,7 +11743,9 @@
           <a:lstStyle/>
           <a:p>
             <a:r>
-              <a:rPr lang="es-ES" sz="1400"/>
+              <a:rPr lang="es-ES">
+                <a:latin typeface="Aptos" panose="020B0004020202020204" pitchFamily="34" charset="0"/>
+              </a:rPr>
               <a:t>Mantiene la infraestructura tecnológica y controla la seguridad de los sistemas ERP.</a:t>
             </a:r>
           </a:p>
@@ -11451,6 +11783,53 @@
             <a:off x="8177112" y="449929"/>
             <a:ext cx="3650910" cy="3650910"/>
           </a:xfrm>
+        </p:spPr>
+      </p:pic>
+      <p:pic>
+        <p:nvPicPr>
+          <p:cNvPr id="1026" name="Picture 2" descr="Airplane, flight, package, plane, travel icon - Download on Iconfinder">
+            <a:extLst>
+              <a:ext uri="{FF2B5EF4-FFF2-40B4-BE49-F238E27FC236}">
+                <a16:creationId xmlns:a16="http://schemas.microsoft.com/office/drawing/2014/main" id="{247A11AF-3603-CA11-2CC6-336F8EDE2DF9}"/>
+              </a:ext>
+            </a:extLst>
+          </p:cNvPr>
+          <p:cNvPicPr>
+            <a:picLocks noChangeAspect="1" noChangeArrowheads="1"/>
+          </p:cNvPicPr>
+          <p:nvPr/>
+        </p:nvPicPr>
+        <p:blipFill>
+          <a:blip r:embed="rId4" cstate="print">
+            <a:extLst>
+              <a:ext uri="{28A0092B-C50C-407E-A947-70E740481C1C}">
+                <a14:useLocalDpi xmlns:a14="http://schemas.microsoft.com/office/drawing/2010/main" val="0"/>
+              </a:ext>
+            </a:extLst>
+          </a:blip>
+          <a:srcRect/>
+          <a:stretch>
+            <a:fillRect/>
+          </a:stretch>
+        </p:blipFill>
+        <p:spPr bwMode="auto">
+          <a:xfrm>
+            <a:off x="-235540" y="-214599"/>
+            <a:ext cx="1690279" cy="1690279"/>
+          </a:xfrm>
+          <a:prstGeom prst="rect">
+            <a:avLst/>
+          </a:prstGeom>
+          <a:noFill/>
+          <a:extLst>
+            <a:ext uri="{909E8E84-426E-40DD-AFC4-6F175D3DCCD1}">
+              <a14:hiddenFill xmlns:a14="http://schemas.microsoft.com/office/drawing/2010/main">
+                <a:solidFill>
+                  <a:srgbClr val="FFFFFF"/>
+                </a:solidFill>
+              </a14:hiddenFill>
+            </a:ext>
+          </a:extLst>
         </p:spPr>
       </p:pic>
     </p:spTree>
